--- a/畢業論文/圖片整理.pptx
+++ b/畢業論文/圖片整理.pptx
@@ -107,6 +107,11 @@
       </a:defRPr>
     </a:lvl9pPr>
   </p:defaultTextStyle>
+  <p:extLst>
+    <p:ext uri="{EFAFB233-063F-42B5-8137-9DF3F51BA10A}">
+      <p15:sldGuideLst xmlns:p15="http://schemas.microsoft.com/office/powerpoint/2012/main"/>
+    </p:ext>
+  </p:extLst>
 </p:presentation>
 </file>
 

--- a/畢業論文/圖片整理.pptx
+++ b/畢業論文/圖片整理.pptx
@@ -9,6 +9,7 @@
     <p:sldId id="258" r:id="rId3"/>
     <p:sldId id="256" r:id="rId4"/>
     <p:sldId id="259" r:id="rId5"/>
+    <p:sldId id="260" r:id="rId6"/>
   </p:sldIdLst>
   <p:sldSz cx="12192000" cy="6858000"/>
   <p:notesSz cx="6858000" cy="9144000"/>
@@ -262,7 +263,7 @@
           <a:p>
             <a:fld id="{983674A7-A848-470E-B2D1-292255B67E22}" type="datetimeFigureOut">
               <a:rPr lang="zh-TW" altLang="en-US" smtClean="0"/>
-              <a:t>2024/7/1</a:t>
+              <a:t>2024/7/5</a:t>
             </a:fld>
             <a:endParaRPr lang="zh-TW" altLang="en-US"/>
           </a:p>
@@ -460,7 +461,7 @@
           <a:p>
             <a:fld id="{983674A7-A848-470E-B2D1-292255B67E22}" type="datetimeFigureOut">
               <a:rPr lang="zh-TW" altLang="en-US" smtClean="0"/>
-              <a:t>2024/7/1</a:t>
+              <a:t>2024/7/5</a:t>
             </a:fld>
             <a:endParaRPr lang="zh-TW" altLang="en-US"/>
           </a:p>
@@ -668,7 +669,7 @@
           <a:p>
             <a:fld id="{983674A7-A848-470E-B2D1-292255B67E22}" type="datetimeFigureOut">
               <a:rPr lang="zh-TW" altLang="en-US" smtClean="0"/>
-              <a:t>2024/7/1</a:t>
+              <a:t>2024/7/5</a:t>
             </a:fld>
             <a:endParaRPr lang="zh-TW" altLang="en-US"/>
           </a:p>
@@ -866,7 +867,7 @@
           <a:p>
             <a:fld id="{983674A7-A848-470E-B2D1-292255B67E22}" type="datetimeFigureOut">
               <a:rPr lang="zh-TW" altLang="en-US" smtClean="0"/>
-              <a:t>2024/7/1</a:t>
+              <a:t>2024/7/5</a:t>
             </a:fld>
             <a:endParaRPr lang="zh-TW" altLang="en-US"/>
           </a:p>
@@ -1141,7 +1142,7 @@
           <a:p>
             <a:fld id="{983674A7-A848-470E-B2D1-292255B67E22}" type="datetimeFigureOut">
               <a:rPr lang="zh-TW" altLang="en-US" smtClean="0"/>
-              <a:t>2024/7/1</a:t>
+              <a:t>2024/7/5</a:t>
             </a:fld>
             <a:endParaRPr lang="zh-TW" altLang="en-US"/>
           </a:p>
@@ -1406,7 +1407,7 @@
           <a:p>
             <a:fld id="{983674A7-A848-470E-B2D1-292255B67E22}" type="datetimeFigureOut">
               <a:rPr lang="zh-TW" altLang="en-US" smtClean="0"/>
-              <a:t>2024/7/1</a:t>
+              <a:t>2024/7/5</a:t>
             </a:fld>
             <a:endParaRPr lang="zh-TW" altLang="en-US"/>
           </a:p>
@@ -1818,7 +1819,7 @@
           <a:p>
             <a:fld id="{983674A7-A848-470E-B2D1-292255B67E22}" type="datetimeFigureOut">
               <a:rPr lang="zh-TW" altLang="en-US" smtClean="0"/>
-              <a:t>2024/7/1</a:t>
+              <a:t>2024/7/5</a:t>
             </a:fld>
             <a:endParaRPr lang="zh-TW" altLang="en-US"/>
           </a:p>
@@ -1959,7 +1960,7 @@
           <a:p>
             <a:fld id="{983674A7-A848-470E-B2D1-292255B67E22}" type="datetimeFigureOut">
               <a:rPr lang="zh-TW" altLang="en-US" smtClean="0"/>
-              <a:t>2024/7/1</a:t>
+              <a:t>2024/7/5</a:t>
             </a:fld>
             <a:endParaRPr lang="zh-TW" altLang="en-US"/>
           </a:p>
@@ -2072,7 +2073,7 @@
           <a:p>
             <a:fld id="{983674A7-A848-470E-B2D1-292255B67E22}" type="datetimeFigureOut">
               <a:rPr lang="zh-TW" altLang="en-US" smtClean="0"/>
-              <a:t>2024/7/1</a:t>
+              <a:t>2024/7/5</a:t>
             </a:fld>
             <a:endParaRPr lang="zh-TW" altLang="en-US"/>
           </a:p>
@@ -2383,7 +2384,7 @@
           <a:p>
             <a:fld id="{983674A7-A848-470E-B2D1-292255B67E22}" type="datetimeFigureOut">
               <a:rPr lang="zh-TW" altLang="en-US" smtClean="0"/>
-              <a:t>2024/7/1</a:t>
+              <a:t>2024/7/5</a:t>
             </a:fld>
             <a:endParaRPr lang="zh-TW" altLang="en-US"/>
           </a:p>
@@ -2671,7 +2672,7 @@
           <a:p>
             <a:fld id="{983674A7-A848-470E-B2D1-292255B67E22}" type="datetimeFigureOut">
               <a:rPr lang="zh-TW" altLang="en-US" smtClean="0"/>
-              <a:t>2024/7/1</a:t>
+              <a:t>2024/7/5</a:t>
             </a:fld>
             <a:endParaRPr lang="zh-TW" altLang="en-US"/>
           </a:p>
@@ -2912,7 +2913,7 @@
           <a:p>
             <a:fld id="{983674A7-A848-470E-B2D1-292255B67E22}" type="datetimeFigureOut">
               <a:rPr lang="zh-TW" altLang="en-US" smtClean="0"/>
-              <a:t>2024/7/1</a:t>
+              <a:t>2024/7/5</a:t>
             </a:fld>
             <a:endParaRPr lang="zh-TW" altLang="en-US"/>
           </a:p>
@@ -5903,6 +5904,921 @@
 </p:sld>
 </file>
 
+<file path=ppt/slides/slide5.xml><?xml version="1.0" encoding="utf-8"?>
+<p:sld xmlns:a="http://schemas.openxmlformats.org/drawingml/2006/main" xmlns:r="http://schemas.openxmlformats.org/officeDocument/2006/relationships" xmlns:p="http://schemas.openxmlformats.org/presentationml/2006/main">
+  <p:cSld>
+    <p:spTree>
+      <p:nvGrpSpPr>
+        <p:cNvPr id="1" name=""/>
+        <p:cNvGrpSpPr/>
+        <p:nvPr/>
+      </p:nvGrpSpPr>
+      <p:grpSpPr>
+        <a:xfrm>
+          <a:off x="0" y="0"/>
+          <a:ext cx="0" cy="0"/>
+          <a:chOff x="0" y="0"/>
+          <a:chExt cx="0" cy="0"/>
+        </a:xfrm>
+      </p:grpSpPr>
+      <p:pic>
+        <p:nvPicPr>
+          <p:cNvPr id="5" name="圖片 4">
+            <a:extLst>
+              <a:ext uri="{FF2B5EF4-FFF2-40B4-BE49-F238E27FC236}">
+                <a16:creationId xmlns:a16="http://schemas.microsoft.com/office/drawing/2014/main" id="{84FE7974-C4C4-42B5-B21A-3F0489CA809A}"/>
+              </a:ext>
+            </a:extLst>
+          </p:cNvPr>
+          <p:cNvPicPr>
+            <a:picLocks noChangeAspect="1"/>
+          </p:cNvPicPr>
+          <p:nvPr/>
+        </p:nvPicPr>
+        <p:blipFill>
+          <a:blip r:embed="rId2"/>
+          <a:stretch>
+            <a:fillRect/>
+          </a:stretch>
+        </p:blipFill>
+        <p:spPr>
+          <a:xfrm>
+            <a:off x="3379082" y="1112375"/>
+            <a:ext cx="5334000" cy="4000500"/>
+          </a:xfrm>
+          <a:prstGeom prst="rect">
+            <a:avLst/>
+          </a:prstGeom>
+        </p:spPr>
+      </p:pic>
+      <p:cxnSp>
+        <p:nvCxnSpPr>
+          <p:cNvPr id="7" name="直線單箭頭接點 6">
+            <a:extLst>
+              <a:ext uri="{FF2B5EF4-FFF2-40B4-BE49-F238E27FC236}">
+                <a16:creationId xmlns:a16="http://schemas.microsoft.com/office/drawing/2014/main" id="{762223F9-1B43-49C9-9DD9-D03972AF1C97}"/>
+              </a:ext>
+            </a:extLst>
+          </p:cNvPr>
+          <p:cNvCxnSpPr/>
+          <p:nvPr/>
+        </p:nvCxnSpPr>
+        <p:spPr>
+          <a:xfrm flipV="1">
+            <a:off x="4075857" y="3914553"/>
+            <a:ext cx="0" cy="563672"/>
+          </a:xfrm>
+          <a:prstGeom prst="straightConnector1">
+            <a:avLst/>
+          </a:prstGeom>
+          <a:ln w="28575">
+            <a:tailEnd type="triangle"/>
+          </a:ln>
+        </p:spPr>
+        <p:style>
+          <a:lnRef idx="1">
+            <a:schemeClr val="dk1"/>
+          </a:lnRef>
+          <a:fillRef idx="0">
+            <a:schemeClr val="dk1"/>
+          </a:fillRef>
+          <a:effectRef idx="0">
+            <a:schemeClr val="dk1"/>
+          </a:effectRef>
+          <a:fontRef idx="minor">
+            <a:schemeClr val="tx1"/>
+          </a:fontRef>
+        </p:style>
+      </p:cxnSp>
+      <p:cxnSp>
+        <p:nvCxnSpPr>
+          <p:cNvPr id="8" name="直線單箭頭接點 7">
+            <a:extLst>
+              <a:ext uri="{FF2B5EF4-FFF2-40B4-BE49-F238E27FC236}">
+                <a16:creationId xmlns:a16="http://schemas.microsoft.com/office/drawing/2014/main" id="{2EE98EDC-F94B-432B-99B9-39AA2F35BD05}"/>
+              </a:ext>
+            </a:extLst>
+          </p:cNvPr>
+          <p:cNvCxnSpPr>
+            <a:cxnSpLocks/>
+          </p:cNvCxnSpPr>
+          <p:nvPr/>
+        </p:nvCxnSpPr>
+        <p:spPr>
+          <a:xfrm flipV="1">
+            <a:off x="4094646" y="4196389"/>
+            <a:ext cx="535569" cy="291113"/>
+          </a:xfrm>
+          <a:prstGeom prst="straightConnector1">
+            <a:avLst/>
+          </a:prstGeom>
+          <a:ln w="28575">
+            <a:tailEnd type="triangle"/>
+          </a:ln>
+        </p:spPr>
+        <p:style>
+          <a:lnRef idx="1">
+            <a:schemeClr val="dk1"/>
+          </a:lnRef>
+          <a:fillRef idx="0">
+            <a:schemeClr val="dk1"/>
+          </a:fillRef>
+          <a:effectRef idx="0">
+            <a:schemeClr val="dk1"/>
+          </a:effectRef>
+          <a:fontRef idx="minor">
+            <a:schemeClr val="tx1"/>
+          </a:fontRef>
+        </p:style>
+      </p:cxnSp>
+      <p:cxnSp>
+        <p:nvCxnSpPr>
+          <p:cNvPr id="9" name="直線單箭頭接點 8">
+            <a:extLst>
+              <a:ext uri="{FF2B5EF4-FFF2-40B4-BE49-F238E27FC236}">
+                <a16:creationId xmlns:a16="http://schemas.microsoft.com/office/drawing/2014/main" id="{BFE3D664-8875-458D-9DA9-1BC188118F4D}"/>
+              </a:ext>
+            </a:extLst>
+          </p:cNvPr>
+          <p:cNvCxnSpPr>
+            <a:cxnSpLocks/>
+          </p:cNvCxnSpPr>
+          <p:nvPr/>
+        </p:nvCxnSpPr>
+        <p:spPr>
+          <a:xfrm>
+            <a:off x="4120221" y="4487502"/>
+            <a:ext cx="531632" cy="29848"/>
+          </a:xfrm>
+          <a:prstGeom prst="straightConnector1">
+            <a:avLst/>
+          </a:prstGeom>
+          <a:ln w="28575">
+            <a:tailEnd type="triangle"/>
+          </a:ln>
+        </p:spPr>
+        <p:style>
+          <a:lnRef idx="1">
+            <a:schemeClr val="dk1"/>
+          </a:lnRef>
+          <a:fillRef idx="0">
+            <a:schemeClr val="dk1"/>
+          </a:fillRef>
+          <a:effectRef idx="0">
+            <a:schemeClr val="dk1"/>
+          </a:effectRef>
+          <a:fontRef idx="minor">
+            <a:schemeClr val="tx1"/>
+          </a:fontRef>
+        </p:style>
+      </p:cxnSp>
+      <p:sp>
+        <p:nvSpPr>
+          <p:cNvPr id="10" name="橢圓 9">
+            <a:extLst>
+              <a:ext uri="{FF2B5EF4-FFF2-40B4-BE49-F238E27FC236}">
+                <a16:creationId xmlns:a16="http://schemas.microsoft.com/office/drawing/2014/main" id="{2C66AB66-4657-4243-A12F-952AE263E728}"/>
+              </a:ext>
+            </a:extLst>
+          </p:cNvPr>
+          <p:cNvSpPr/>
+          <p:nvPr/>
+        </p:nvSpPr>
+        <p:spPr>
+          <a:xfrm>
+            <a:off x="4010390" y="4457461"/>
+            <a:ext cx="100208" cy="100208"/>
+          </a:xfrm>
+          <a:prstGeom prst="ellipse">
+            <a:avLst/>
+          </a:prstGeom>
+          <a:solidFill>
+            <a:srgbClr val="FF0000"/>
+          </a:solidFill>
+          <a:ln>
+            <a:solidFill>
+              <a:srgbClr val="FF0000"/>
+            </a:solidFill>
+          </a:ln>
+        </p:spPr>
+        <p:style>
+          <a:lnRef idx="2">
+            <a:schemeClr val="accent1">
+              <a:shade val="50000"/>
+            </a:schemeClr>
+          </a:lnRef>
+          <a:fillRef idx="1">
+            <a:schemeClr val="accent1"/>
+          </a:fillRef>
+          <a:effectRef idx="0">
+            <a:schemeClr val="accent1"/>
+          </a:effectRef>
+          <a:fontRef idx="minor">
+            <a:schemeClr val="lt1"/>
+          </a:fontRef>
+        </p:style>
+        <p:txBody>
+          <a:bodyPr rtlCol="0" anchor="ctr"/>
+          <a:lstStyle/>
+          <a:p>
+            <a:pPr algn="ctr"/>
+            <a:endParaRPr lang="zh-TW" altLang="en-US">
+              <a:latin typeface="Times New Roman" panose="02020603050405020304" pitchFamily="18" charset="0"/>
+              <a:cs typeface="Times New Roman" panose="02020603050405020304" pitchFamily="18" charset="0"/>
+            </a:endParaRPr>
+          </a:p>
+        </p:txBody>
+      </p:sp>
+      <p:sp>
+        <p:nvSpPr>
+          <p:cNvPr id="11" name="文字方塊 10">
+            <a:extLst>
+              <a:ext uri="{FF2B5EF4-FFF2-40B4-BE49-F238E27FC236}">
+                <a16:creationId xmlns:a16="http://schemas.microsoft.com/office/drawing/2014/main" id="{5444024A-DC71-4F9F-BA43-38EE4E0B3620}"/>
+              </a:ext>
+            </a:extLst>
+          </p:cNvPr>
+          <p:cNvSpPr txBox="1"/>
+          <p:nvPr/>
+        </p:nvSpPr>
+        <p:spPr>
+          <a:xfrm>
+            <a:off x="4146636" y="4529634"/>
+            <a:ext cx="300082" cy="369332"/>
+          </a:xfrm>
+          <a:prstGeom prst="rect">
+            <a:avLst/>
+          </a:prstGeom>
+          <a:noFill/>
+        </p:spPr>
+        <p:txBody>
+          <a:bodyPr wrap="none" rtlCol="0">
+            <a:spAutoFit/>
+          </a:bodyPr>
+          <a:lstStyle/>
+          <a:p>
+            <a:r>
+              <a:rPr lang="en-US" altLang="zh-TW" dirty="0">
+                <a:latin typeface="Times New Roman" panose="02020603050405020304" pitchFamily="18" charset="0"/>
+                <a:cs typeface="Times New Roman" panose="02020603050405020304" pitchFamily="18" charset="0"/>
+              </a:rPr>
+              <a:t>x</a:t>
+            </a:r>
+            <a:endParaRPr lang="zh-TW" altLang="en-US" dirty="0">
+              <a:latin typeface="Times New Roman" panose="02020603050405020304" pitchFamily="18" charset="0"/>
+              <a:cs typeface="Times New Roman" panose="02020603050405020304" pitchFamily="18" charset="0"/>
+            </a:endParaRPr>
+          </a:p>
+        </p:txBody>
+      </p:sp>
+      <p:sp>
+        <p:nvSpPr>
+          <p:cNvPr id="12" name="文字方塊 11">
+            <a:extLst>
+              <a:ext uri="{FF2B5EF4-FFF2-40B4-BE49-F238E27FC236}">
+                <a16:creationId xmlns:a16="http://schemas.microsoft.com/office/drawing/2014/main" id="{D5D1CEDF-4F9C-4FD8-A157-937D590DB232}"/>
+              </a:ext>
+            </a:extLst>
+          </p:cNvPr>
+          <p:cNvSpPr txBox="1"/>
+          <p:nvPr/>
+        </p:nvSpPr>
+        <p:spPr>
+          <a:xfrm>
+            <a:off x="4160114" y="3962620"/>
+            <a:ext cx="300082" cy="369332"/>
+          </a:xfrm>
+          <a:prstGeom prst="rect">
+            <a:avLst/>
+          </a:prstGeom>
+          <a:noFill/>
+        </p:spPr>
+        <p:txBody>
+          <a:bodyPr wrap="none" rtlCol="0">
+            <a:spAutoFit/>
+          </a:bodyPr>
+          <a:lstStyle/>
+          <a:p>
+            <a:r>
+              <a:rPr lang="en-US" altLang="zh-TW" dirty="0">
+                <a:latin typeface="Times New Roman" panose="02020603050405020304" pitchFamily="18" charset="0"/>
+                <a:cs typeface="Times New Roman" panose="02020603050405020304" pitchFamily="18" charset="0"/>
+              </a:rPr>
+              <a:t>y</a:t>
+            </a:r>
+            <a:endParaRPr lang="zh-TW" altLang="en-US" dirty="0">
+              <a:latin typeface="Times New Roman" panose="02020603050405020304" pitchFamily="18" charset="0"/>
+              <a:cs typeface="Times New Roman" panose="02020603050405020304" pitchFamily="18" charset="0"/>
+            </a:endParaRPr>
+          </a:p>
+        </p:txBody>
+      </p:sp>
+      <p:sp>
+        <p:nvSpPr>
+          <p:cNvPr id="13" name="文字方塊 12">
+            <a:extLst>
+              <a:ext uri="{FF2B5EF4-FFF2-40B4-BE49-F238E27FC236}">
+                <a16:creationId xmlns:a16="http://schemas.microsoft.com/office/drawing/2014/main" id="{27498381-154E-4803-A5B3-09084F2519FD}"/>
+              </a:ext>
+            </a:extLst>
+          </p:cNvPr>
+          <p:cNvSpPr txBox="1"/>
+          <p:nvPr/>
+        </p:nvSpPr>
+        <p:spPr>
+          <a:xfrm>
+            <a:off x="3711649" y="4011723"/>
+            <a:ext cx="287258" cy="369332"/>
+          </a:xfrm>
+          <a:prstGeom prst="rect">
+            <a:avLst/>
+          </a:prstGeom>
+          <a:noFill/>
+        </p:spPr>
+        <p:txBody>
+          <a:bodyPr wrap="none" rtlCol="0">
+            <a:spAutoFit/>
+          </a:bodyPr>
+          <a:lstStyle/>
+          <a:p>
+            <a:r>
+              <a:rPr lang="en-US" altLang="zh-TW" dirty="0">
+                <a:latin typeface="Times New Roman" panose="02020603050405020304" pitchFamily="18" charset="0"/>
+                <a:cs typeface="Times New Roman" panose="02020603050405020304" pitchFamily="18" charset="0"/>
+              </a:rPr>
+              <a:t>z</a:t>
+            </a:r>
+            <a:endParaRPr lang="zh-TW" altLang="en-US" dirty="0">
+              <a:latin typeface="Times New Roman" panose="02020603050405020304" pitchFamily="18" charset="0"/>
+              <a:cs typeface="Times New Roman" panose="02020603050405020304" pitchFamily="18" charset="0"/>
+            </a:endParaRPr>
+          </a:p>
+        </p:txBody>
+      </p:sp>
+      <p:sp>
+        <p:nvSpPr>
+          <p:cNvPr id="14" name="文字方塊 13">
+            <a:extLst>
+              <a:ext uri="{FF2B5EF4-FFF2-40B4-BE49-F238E27FC236}">
+                <a16:creationId xmlns:a16="http://schemas.microsoft.com/office/drawing/2014/main" id="{B93A9B79-9915-4F50-AC35-A6D245477DF1}"/>
+              </a:ext>
+            </a:extLst>
+          </p:cNvPr>
+          <p:cNvSpPr txBox="1"/>
+          <p:nvPr/>
+        </p:nvSpPr>
+        <p:spPr>
+          <a:xfrm rot="16200000">
+            <a:off x="3140755" y="3125652"/>
+            <a:ext cx="819455" cy="369332"/>
+          </a:xfrm>
+          <a:prstGeom prst="rect">
+            <a:avLst/>
+          </a:prstGeom>
+          <a:solidFill>
+            <a:schemeClr val="bg1"/>
+          </a:solidFill>
+        </p:spPr>
+        <p:txBody>
+          <a:bodyPr wrap="none" rtlCol="0">
+            <a:spAutoFit/>
+          </a:bodyPr>
+          <a:lstStyle/>
+          <a:p>
+            <a:r>
+              <a:rPr lang="en-US" altLang="zh-TW" dirty="0">
+                <a:latin typeface="Times New Roman" panose="02020603050405020304" pitchFamily="18" charset="0"/>
+                <a:cs typeface="Times New Roman" panose="02020603050405020304" pitchFamily="18" charset="0"/>
+              </a:rPr>
+              <a:t>           </a:t>
+            </a:r>
+            <a:endParaRPr lang="zh-TW" altLang="en-US" dirty="0">
+              <a:latin typeface="Times New Roman" panose="02020603050405020304" pitchFamily="18" charset="0"/>
+              <a:cs typeface="Times New Roman" panose="02020603050405020304" pitchFamily="18" charset="0"/>
+            </a:endParaRPr>
+          </a:p>
+        </p:txBody>
+      </p:sp>
+      <p:sp>
+        <p:nvSpPr>
+          <p:cNvPr id="15" name="文字方塊 14">
+            <a:extLst>
+              <a:ext uri="{FF2B5EF4-FFF2-40B4-BE49-F238E27FC236}">
+                <a16:creationId xmlns:a16="http://schemas.microsoft.com/office/drawing/2014/main" id="{DAF45796-D315-446D-985C-6C547ADCB0BF}"/>
+              </a:ext>
+            </a:extLst>
+          </p:cNvPr>
+          <p:cNvSpPr txBox="1"/>
+          <p:nvPr/>
+        </p:nvSpPr>
+        <p:spPr>
+          <a:xfrm>
+            <a:off x="7582943" y="4802949"/>
+            <a:ext cx="819455" cy="369332"/>
+          </a:xfrm>
+          <a:prstGeom prst="rect">
+            <a:avLst/>
+          </a:prstGeom>
+          <a:solidFill>
+            <a:schemeClr val="bg1"/>
+          </a:solidFill>
+        </p:spPr>
+        <p:txBody>
+          <a:bodyPr wrap="none" rtlCol="0">
+            <a:spAutoFit/>
+          </a:bodyPr>
+          <a:lstStyle/>
+          <a:p>
+            <a:r>
+              <a:rPr lang="en-US" altLang="zh-TW" dirty="0">
+                <a:latin typeface="Times New Roman" panose="02020603050405020304" pitchFamily="18" charset="0"/>
+                <a:cs typeface="Times New Roman" panose="02020603050405020304" pitchFamily="18" charset="0"/>
+              </a:rPr>
+              <a:t>           </a:t>
+            </a:r>
+            <a:endParaRPr lang="zh-TW" altLang="en-US" dirty="0">
+              <a:latin typeface="Times New Roman" panose="02020603050405020304" pitchFamily="18" charset="0"/>
+              <a:cs typeface="Times New Roman" panose="02020603050405020304" pitchFamily="18" charset="0"/>
+            </a:endParaRPr>
+          </a:p>
+        </p:txBody>
+      </p:sp>
+      <p:sp>
+        <p:nvSpPr>
+          <p:cNvPr id="16" name="文字方塊 15">
+            <a:extLst>
+              <a:ext uri="{FF2B5EF4-FFF2-40B4-BE49-F238E27FC236}">
+                <a16:creationId xmlns:a16="http://schemas.microsoft.com/office/drawing/2014/main" id="{F0F2BEEE-F44D-42F9-A048-3D5C492B6848}"/>
+              </a:ext>
+            </a:extLst>
+          </p:cNvPr>
+          <p:cNvSpPr txBox="1"/>
+          <p:nvPr/>
+        </p:nvSpPr>
+        <p:spPr>
+          <a:xfrm>
+            <a:off x="5345460" y="4896709"/>
+            <a:ext cx="819455" cy="369332"/>
+          </a:xfrm>
+          <a:prstGeom prst="rect">
+            <a:avLst/>
+          </a:prstGeom>
+          <a:solidFill>
+            <a:schemeClr val="bg1"/>
+          </a:solidFill>
+        </p:spPr>
+        <p:txBody>
+          <a:bodyPr wrap="none" rtlCol="0">
+            <a:spAutoFit/>
+          </a:bodyPr>
+          <a:lstStyle/>
+          <a:p>
+            <a:r>
+              <a:rPr lang="en-US" altLang="zh-TW" dirty="0">
+                <a:latin typeface="Times New Roman" panose="02020603050405020304" pitchFamily="18" charset="0"/>
+                <a:cs typeface="Times New Roman" panose="02020603050405020304" pitchFamily="18" charset="0"/>
+              </a:rPr>
+              <a:t>           </a:t>
+            </a:r>
+            <a:endParaRPr lang="zh-TW" altLang="en-US" dirty="0">
+              <a:latin typeface="Times New Roman" panose="02020603050405020304" pitchFamily="18" charset="0"/>
+              <a:cs typeface="Times New Roman" panose="02020603050405020304" pitchFamily="18" charset="0"/>
+            </a:endParaRPr>
+          </a:p>
+        </p:txBody>
+      </p:sp>
+      <p:sp>
+        <p:nvSpPr>
+          <p:cNvPr id="17" name="文字方塊 16">
+            <a:extLst>
+              <a:ext uri="{FF2B5EF4-FFF2-40B4-BE49-F238E27FC236}">
+                <a16:creationId xmlns:a16="http://schemas.microsoft.com/office/drawing/2014/main" id="{F112A268-0A74-4B41-AFF7-8921DE7FA424}"/>
+              </a:ext>
+            </a:extLst>
+          </p:cNvPr>
+          <p:cNvSpPr txBox="1"/>
+          <p:nvPr/>
+        </p:nvSpPr>
+        <p:spPr>
+          <a:xfrm>
+            <a:off x="5820696" y="1078021"/>
+            <a:ext cx="819455" cy="369332"/>
+          </a:xfrm>
+          <a:prstGeom prst="rect">
+            <a:avLst/>
+          </a:prstGeom>
+          <a:solidFill>
+            <a:schemeClr val="bg1"/>
+          </a:solidFill>
+        </p:spPr>
+        <p:txBody>
+          <a:bodyPr wrap="none" rtlCol="0">
+            <a:spAutoFit/>
+          </a:bodyPr>
+          <a:lstStyle/>
+          <a:p>
+            <a:r>
+              <a:rPr lang="en-US" altLang="zh-TW" dirty="0">
+                <a:latin typeface="Times New Roman" panose="02020603050405020304" pitchFamily="18" charset="0"/>
+                <a:cs typeface="Times New Roman" panose="02020603050405020304" pitchFamily="18" charset="0"/>
+              </a:rPr>
+              <a:t>           </a:t>
+            </a:r>
+            <a:endParaRPr lang="zh-TW" altLang="en-US" dirty="0">
+              <a:latin typeface="Times New Roman" panose="02020603050405020304" pitchFamily="18" charset="0"/>
+              <a:cs typeface="Times New Roman" panose="02020603050405020304" pitchFamily="18" charset="0"/>
+            </a:endParaRPr>
+          </a:p>
+        </p:txBody>
+      </p:sp>
+      <p:sp>
+        <p:nvSpPr>
+          <p:cNvPr id="18" name="文字方塊 17">
+            <a:extLst>
+              <a:ext uri="{FF2B5EF4-FFF2-40B4-BE49-F238E27FC236}">
+                <a16:creationId xmlns:a16="http://schemas.microsoft.com/office/drawing/2014/main" id="{8116B9EF-ED95-41AF-A839-8109294ECEAF}"/>
+              </a:ext>
+            </a:extLst>
+          </p:cNvPr>
+          <p:cNvSpPr txBox="1"/>
+          <p:nvPr/>
+        </p:nvSpPr>
+        <p:spPr>
+          <a:xfrm>
+            <a:off x="4971829" y="4818177"/>
+            <a:ext cx="827471" cy="369332"/>
+          </a:xfrm>
+          <a:prstGeom prst="rect">
+            <a:avLst/>
+          </a:prstGeom>
+          <a:noFill/>
+        </p:spPr>
+        <p:txBody>
+          <a:bodyPr wrap="none" rtlCol="0">
+            <a:spAutoFit/>
+          </a:bodyPr>
+          <a:lstStyle/>
+          <a:p>
+            <a:r>
+              <a:rPr lang="en-US" altLang="zh-TW" dirty="0">
+                <a:latin typeface="Times New Roman" panose="02020603050405020304" pitchFamily="18" charset="0"/>
+                <a:cs typeface="Times New Roman" panose="02020603050405020304" pitchFamily="18" charset="0"/>
+              </a:rPr>
+              <a:t>W=5m</a:t>
+            </a:r>
+            <a:endParaRPr lang="zh-TW" altLang="en-US" dirty="0">
+              <a:latin typeface="Times New Roman" panose="02020603050405020304" pitchFamily="18" charset="0"/>
+              <a:cs typeface="Times New Roman" panose="02020603050405020304" pitchFamily="18" charset="0"/>
+            </a:endParaRPr>
+          </a:p>
+        </p:txBody>
+      </p:sp>
+      <p:sp>
+        <p:nvSpPr>
+          <p:cNvPr id="19" name="文字方塊 18">
+            <a:extLst>
+              <a:ext uri="{FF2B5EF4-FFF2-40B4-BE49-F238E27FC236}">
+                <a16:creationId xmlns:a16="http://schemas.microsoft.com/office/drawing/2014/main" id="{1A82423E-99B5-473A-85B9-91B101199617}"/>
+              </a:ext>
+            </a:extLst>
+          </p:cNvPr>
+          <p:cNvSpPr txBox="1"/>
+          <p:nvPr/>
+        </p:nvSpPr>
+        <p:spPr>
+          <a:xfrm>
+            <a:off x="7665138" y="4517350"/>
+            <a:ext cx="750526" cy="369332"/>
+          </a:xfrm>
+          <a:prstGeom prst="rect">
+            <a:avLst/>
+          </a:prstGeom>
+          <a:noFill/>
+        </p:spPr>
+        <p:txBody>
+          <a:bodyPr wrap="none" rtlCol="0">
+            <a:spAutoFit/>
+          </a:bodyPr>
+          <a:lstStyle/>
+          <a:p>
+            <a:r>
+              <a:rPr lang="en-US" altLang="zh-TW" dirty="0">
+                <a:latin typeface="Times New Roman" panose="02020603050405020304" pitchFamily="18" charset="0"/>
+                <a:cs typeface="Times New Roman" panose="02020603050405020304" pitchFamily="18" charset="0"/>
+              </a:rPr>
+              <a:t>L=6m</a:t>
+            </a:r>
+            <a:endParaRPr lang="zh-TW" altLang="en-US" dirty="0">
+              <a:latin typeface="Times New Roman" panose="02020603050405020304" pitchFamily="18" charset="0"/>
+              <a:cs typeface="Times New Roman" panose="02020603050405020304" pitchFamily="18" charset="0"/>
+            </a:endParaRPr>
+          </a:p>
+        </p:txBody>
+      </p:sp>
+      <p:sp>
+        <p:nvSpPr>
+          <p:cNvPr id="20" name="文字方塊 19">
+            <a:extLst>
+              <a:ext uri="{FF2B5EF4-FFF2-40B4-BE49-F238E27FC236}">
+                <a16:creationId xmlns:a16="http://schemas.microsoft.com/office/drawing/2014/main" id="{D1CD70BF-2313-42C1-90F9-3FA8D566F5D0}"/>
+              </a:ext>
+            </a:extLst>
+          </p:cNvPr>
+          <p:cNvSpPr txBox="1"/>
+          <p:nvPr/>
+        </p:nvSpPr>
+        <p:spPr>
+          <a:xfrm>
+            <a:off x="2799116" y="2986651"/>
+            <a:ext cx="949299" cy="369332"/>
+          </a:xfrm>
+          <a:prstGeom prst="rect">
+            <a:avLst/>
+          </a:prstGeom>
+          <a:noFill/>
+        </p:spPr>
+        <p:txBody>
+          <a:bodyPr wrap="none" rtlCol="0">
+            <a:spAutoFit/>
+          </a:bodyPr>
+          <a:lstStyle/>
+          <a:p>
+            <a:r>
+              <a:rPr lang="en-US" altLang="zh-TW" dirty="0">
+                <a:latin typeface="Times New Roman" panose="02020603050405020304" pitchFamily="18" charset="0"/>
+                <a:cs typeface="Times New Roman" panose="02020603050405020304" pitchFamily="18" charset="0"/>
+              </a:rPr>
+              <a:t>H=2.5m</a:t>
+            </a:r>
+            <a:endParaRPr lang="zh-TW" altLang="en-US" dirty="0">
+              <a:latin typeface="Times New Roman" panose="02020603050405020304" pitchFamily="18" charset="0"/>
+              <a:cs typeface="Times New Roman" panose="02020603050405020304" pitchFamily="18" charset="0"/>
+            </a:endParaRPr>
+          </a:p>
+        </p:txBody>
+      </p:sp>
+      <p:sp>
+        <p:nvSpPr>
+          <p:cNvPr id="21" name="文字方塊 20">
+            <a:extLst>
+              <a:ext uri="{FF2B5EF4-FFF2-40B4-BE49-F238E27FC236}">
+                <a16:creationId xmlns:a16="http://schemas.microsoft.com/office/drawing/2014/main" id="{0B3D65B5-80E6-42C4-A525-CFFDC6EC400C}"/>
+              </a:ext>
+            </a:extLst>
+          </p:cNvPr>
+          <p:cNvSpPr txBox="1"/>
+          <p:nvPr/>
+        </p:nvSpPr>
+        <p:spPr>
+          <a:xfrm>
+            <a:off x="4128332" y="2636531"/>
+            <a:ext cx="1677062" cy="276999"/>
+          </a:xfrm>
+          <a:prstGeom prst="rect">
+            <a:avLst/>
+          </a:prstGeom>
+          <a:noFill/>
+        </p:spPr>
+        <p:txBody>
+          <a:bodyPr wrap="none" rtlCol="0">
+            <a:spAutoFit/>
+          </a:bodyPr>
+          <a:lstStyle/>
+          <a:p>
+            <a:r>
+              <a:rPr lang="en-US" altLang="zh-TW" sz="1200" dirty="0">
+                <a:latin typeface="Times New Roman" panose="02020603050405020304" pitchFamily="18" charset="0"/>
+                <a:cs typeface="Times New Roman" panose="02020603050405020304" pitchFamily="18" charset="0"/>
+              </a:rPr>
+              <a:t>Source 1 (2.1, 2.15, 1.1)</a:t>
+            </a:r>
+            <a:endParaRPr lang="zh-TW" altLang="en-US" sz="1200" dirty="0">
+              <a:latin typeface="Times New Roman" panose="02020603050405020304" pitchFamily="18" charset="0"/>
+              <a:cs typeface="Times New Roman" panose="02020603050405020304" pitchFamily="18" charset="0"/>
+            </a:endParaRPr>
+          </a:p>
+        </p:txBody>
+      </p:sp>
+      <p:cxnSp>
+        <p:nvCxnSpPr>
+          <p:cNvPr id="22" name="直線單箭頭接點 21">
+            <a:extLst>
+              <a:ext uri="{FF2B5EF4-FFF2-40B4-BE49-F238E27FC236}">
+                <a16:creationId xmlns:a16="http://schemas.microsoft.com/office/drawing/2014/main" id="{8EA22455-0D63-4E2B-BF48-31CD995B82E8}"/>
+              </a:ext>
+            </a:extLst>
+          </p:cNvPr>
+          <p:cNvCxnSpPr>
+            <a:cxnSpLocks/>
+          </p:cNvCxnSpPr>
+          <p:nvPr/>
+        </p:nvCxnSpPr>
+        <p:spPr>
+          <a:xfrm>
+            <a:off x="5248405" y="2909217"/>
+            <a:ext cx="339508" cy="235196"/>
+          </a:xfrm>
+          <a:prstGeom prst="straightConnector1">
+            <a:avLst/>
+          </a:prstGeom>
+          <a:ln>
+            <a:tailEnd type="triangle"/>
+          </a:ln>
+        </p:spPr>
+        <p:style>
+          <a:lnRef idx="1">
+            <a:schemeClr val="accent1"/>
+          </a:lnRef>
+          <a:fillRef idx="0">
+            <a:schemeClr val="accent1"/>
+          </a:fillRef>
+          <a:effectRef idx="0">
+            <a:schemeClr val="accent1"/>
+          </a:effectRef>
+          <a:fontRef idx="minor">
+            <a:schemeClr val="tx1"/>
+          </a:fontRef>
+        </p:style>
+      </p:cxnSp>
+      <p:sp>
+        <p:nvSpPr>
+          <p:cNvPr id="23" name="文字方塊 22">
+            <a:extLst>
+              <a:ext uri="{FF2B5EF4-FFF2-40B4-BE49-F238E27FC236}">
+                <a16:creationId xmlns:a16="http://schemas.microsoft.com/office/drawing/2014/main" id="{C8DA5021-88A3-4C89-BD7C-E66AEC832C00}"/>
+              </a:ext>
+            </a:extLst>
+          </p:cNvPr>
+          <p:cNvSpPr txBox="1"/>
+          <p:nvPr/>
+        </p:nvSpPr>
+        <p:spPr>
+          <a:xfrm>
+            <a:off x="5587913" y="3717944"/>
+            <a:ext cx="1658980" cy="276999"/>
+          </a:xfrm>
+          <a:prstGeom prst="rect">
+            <a:avLst/>
+          </a:prstGeom>
+          <a:noFill/>
+        </p:spPr>
+        <p:txBody>
+          <a:bodyPr wrap="none" rtlCol="0">
+            <a:spAutoFit/>
+          </a:bodyPr>
+          <a:lstStyle/>
+          <a:p>
+            <a:r>
+              <a:rPr lang="en-US" altLang="zh-TW" sz="1200" dirty="0">
+                <a:latin typeface="Times New Roman" panose="02020603050405020304" pitchFamily="18" charset="0"/>
+                <a:cs typeface="Times New Roman" panose="02020603050405020304" pitchFamily="18" charset="0"/>
+              </a:rPr>
+              <a:t>First of ULA (2.1, 2, 1)</a:t>
+            </a:r>
+            <a:endParaRPr lang="zh-TW" altLang="en-US" sz="1200" dirty="0">
+              <a:latin typeface="Times New Roman" panose="02020603050405020304" pitchFamily="18" charset="0"/>
+              <a:cs typeface="Times New Roman" panose="02020603050405020304" pitchFamily="18" charset="0"/>
+            </a:endParaRPr>
+          </a:p>
+        </p:txBody>
+      </p:sp>
+      <p:cxnSp>
+        <p:nvCxnSpPr>
+          <p:cNvPr id="24" name="直線單箭頭接點 23">
+            <a:extLst>
+              <a:ext uri="{FF2B5EF4-FFF2-40B4-BE49-F238E27FC236}">
+                <a16:creationId xmlns:a16="http://schemas.microsoft.com/office/drawing/2014/main" id="{D15D15C0-F224-4AFA-BD9D-34569FB36707}"/>
+              </a:ext>
+            </a:extLst>
+          </p:cNvPr>
+          <p:cNvCxnSpPr>
+            <a:cxnSpLocks/>
+          </p:cNvCxnSpPr>
+          <p:nvPr/>
+        </p:nvCxnSpPr>
+        <p:spPr>
+          <a:xfrm flipH="1" flipV="1">
+            <a:off x="5750610" y="3448817"/>
+            <a:ext cx="295472" cy="319535"/>
+          </a:xfrm>
+          <a:prstGeom prst="straightConnector1">
+            <a:avLst/>
+          </a:prstGeom>
+          <a:ln>
+            <a:tailEnd type="triangle"/>
+          </a:ln>
+        </p:spPr>
+        <p:style>
+          <a:lnRef idx="1">
+            <a:schemeClr val="accent1"/>
+          </a:lnRef>
+          <a:fillRef idx="0">
+            <a:schemeClr val="accent1"/>
+          </a:fillRef>
+          <a:effectRef idx="0">
+            <a:schemeClr val="accent1"/>
+          </a:effectRef>
+          <a:fontRef idx="minor">
+            <a:schemeClr val="tx1"/>
+          </a:fontRef>
+        </p:style>
+      </p:cxnSp>
+      <p:sp>
+        <p:nvSpPr>
+          <p:cNvPr id="28" name="文字方塊 27">
+            <a:extLst>
+              <a:ext uri="{FF2B5EF4-FFF2-40B4-BE49-F238E27FC236}">
+                <a16:creationId xmlns:a16="http://schemas.microsoft.com/office/drawing/2014/main" id="{BDE10F0C-6014-428D-92F2-724804814EC6}"/>
+              </a:ext>
+            </a:extLst>
+          </p:cNvPr>
+          <p:cNvSpPr txBox="1"/>
+          <p:nvPr/>
+        </p:nvSpPr>
+        <p:spPr>
+          <a:xfrm>
+            <a:off x="6345568" y="1806322"/>
+            <a:ext cx="2380780" cy="276999"/>
+          </a:xfrm>
+          <a:prstGeom prst="rect">
+            <a:avLst/>
+          </a:prstGeom>
+          <a:noFill/>
+        </p:spPr>
+        <p:txBody>
+          <a:bodyPr wrap="none" rtlCol="0">
+            <a:spAutoFit/>
+          </a:bodyPr>
+          <a:lstStyle/>
+          <a:p>
+            <a:r>
+              <a:rPr lang="en-US" altLang="zh-TW" sz="1200" dirty="0">
+                <a:latin typeface="Times New Roman" panose="02020603050405020304" pitchFamily="18" charset="0"/>
+                <a:cs typeface="Times New Roman" panose="02020603050405020304" pitchFamily="18" charset="0"/>
+              </a:rPr>
+              <a:t>Source 2 or interferer (2.9, 2.9, 1.9)</a:t>
+            </a:r>
+            <a:endParaRPr lang="zh-TW" altLang="en-US" sz="1200" dirty="0">
+              <a:latin typeface="Times New Roman" panose="02020603050405020304" pitchFamily="18" charset="0"/>
+              <a:cs typeface="Times New Roman" panose="02020603050405020304" pitchFamily="18" charset="0"/>
+            </a:endParaRPr>
+          </a:p>
+        </p:txBody>
+      </p:sp>
+      <p:cxnSp>
+        <p:nvCxnSpPr>
+          <p:cNvPr id="30" name="直線單箭頭接點 29">
+            <a:extLst>
+              <a:ext uri="{FF2B5EF4-FFF2-40B4-BE49-F238E27FC236}">
+                <a16:creationId xmlns:a16="http://schemas.microsoft.com/office/drawing/2014/main" id="{2B6D51F2-73A5-40B5-B811-76F3E5C51106}"/>
+              </a:ext>
+            </a:extLst>
+          </p:cNvPr>
+          <p:cNvCxnSpPr>
+            <a:cxnSpLocks/>
+          </p:cNvCxnSpPr>
+          <p:nvPr/>
+        </p:nvCxnSpPr>
+        <p:spPr>
+          <a:xfrm flipH="1">
+            <a:off x="6544849" y="2083321"/>
+            <a:ext cx="551146" cy="269127"/>
+          </a:xfrm>
+          <a:prstGeom prst="straightConnector1">
+            <a:avLst/>
+          </a:prstGeom>
+          <a:ln>
+            <a:tailEnd type="triangle"/>
+          </a:ln>
+        </p:spPr>
+        <p:style>
+          <a:lnRef idx="1">
+            <a:schemeClr val="accent1"/>
+          </a:lnRef>
+          <a:fillRef idx="0">
+            <a:schemeClr val="accent1"/>
+          </a:fillRef>
+          <a:effectRef idx="0">
+            <a:schemeClr val="accent1"/>
+          </a:effectRef>
+          <a:fontRef idx="minor">
+            <a:schemeClr val="tx1"/>
+          </a:fontRef>
+        </p:style>
+      </p:cxnSp>
+    </p:spTree>
+    <p:extLst>
+      <p:ext uri="{BB962C8B-B14F-4D97-AF65-F5344CB8AC3E}">
+        <p14:creationId xmlns:p14="http://schemas.microsoft.com/office/powerpoint/2010/main" val="1136873250"/>
+      </p:ext>
+    </p:extLst>
+  </p:cSld>
+  <p:clrMapOvr>
+    <a:masterClrMapping/>
+  </p:clrMapOvr>
+</p:sld>
+</file>
+
 <file path=ppt/theme/theme1.xml><?xml version="1.0" encoding="utf-8"?>
 <a:theme xmlns:a="http://schemas.openxmlformats.org/drawingml/2006/main" name="Office 佈景主題">
   <a:themeElements>

--- a/畢業論文/圖片整理.pptx
+++ b/畢業論文/圖片整理.pptx
@@ -10,6 +10,7 @@
     <p:sldId id="256" r:id="rId4"/>
     <p:sldId id="259" r:id="rId5"/>
     <p:sldId id="260" r:id="rId6"/>
+    <p:sldId id="261" r:id="rId7"/>
   </p:sldIdLst>
   <p:sldSz cx="12192000" cy="6858000"/>
   <p:notesSz cx="6858000" cy="9144000"/>
@@ -263,7 +264,7 @@
           <a:p>
             <a:fld id="{983674A7-A848-470E-B2D1-292255B67E22}" type="datetimeFigureOut">
               <a:rPr lang="zh-TW" altLang="en-US" smtClean="0"/>
-              <a:t>2024/7/5</a:t>
+              <a:t>2024/7/6</a:t>
             </a:fld>
             <a:endParaRPr lang="zh-TW" altLang="en-US"/>
           </a:p>
@@ -461,7 +462,7 @@
           <a:p>
             <a:fld id="{983674A7-A848-470E-B2D1-292255B67E22}" type="datetimeFigureOut">
               <a:rPr lang="zh-TW" altLang="en-US" smtClean="0"/>
-              <a:t>2024/7/5</a:t>
+              <a:t>2024/7/6</a:t>
             </a:fld>
             <a:endParaRPr lang="zh-TW" altLang="en-US"/>
           </a:p>
@@ -669,7 +670,7 @@
           <a:p>
             <a:fld id="{983674A7-A848-470E-B2D1-292255B67E22}" type="datetimeFigureOut">
               <a:rPr lang="zh-TW" altLang="en-US" smtClean="0"/>
-              <a:t>2024/7/5</a:t>
+              <a:t>2024/7/6</a:t>
             </a:fld>
             <a:endParaRPr lang="zh-TW" altLang="en-US"/>
           </a:p>
@@ -867,7 +868,7 @@
           <a:p>
             <a:fld id="{983674A7-A848-470E-B2D1-292255B67E22}" type="datetimeFigureOut">
               <a:rPr lang="zh-TW" altLang="en-US" smtClean="0"/>
-              <a:t>2024/7/5</a:t>
+              <a:t>2024/7/6</a:t>
             </a:fld>
             <a:endParaRPr lang="zh-TW" altLang="en-US"/>
           </a:p>
@@ -1142,7 +1143,7 @@
           <a:p>
             <a:fld id="{983674A7-A848-470E-B2D1-292255B67E22}" type="datetimeFigureOut">
               <a:rPr lang="zh-TW" altLang="en-US" smtClean="0"/>
-              <a:t>2024/7/5</a:t>
+              <a:t>2024/7/6</a:t>
             </a:fld>
             <a:endParaRPr lang="zh-TW" altLang="en-US"/>
           </a:p>
@@ -1407,7 +1408,7 @@
           <a:p>
             <a:fld id="{983674A7-A848-470E-B2D1-292255B67E22}" type="datetimeFigureOut">
               <a:rPr lang="zh-TW" altLang="en-US" smtClean="0"/>
-              <a:t>2024/7/5</a:t>
+              <a:t>2024/7/6</a:t>
             </a:fld>
             <a:endParaRPr lang="zh-TW" altLang="en-US"/>
           </a:p>
@@ -1819,7 +1820,7 @@
           <a:p>
             <a:fld id="{983674A7-A848-470E-B2D1-292255B67E22}" type="datetimeFigureOut">
               <a:rPr lang="zh-TW" altLang="en-US" smtClean="0"/>
-              <a:t>2024/7/5</a:t>
+              <a:t>2024/7/6</a:t>
             </a:fld>
             <a:endParaRPr lang="zh-TW" altLang="en-US"/>
           </a:p>
@@ -1960,7 +1961,7 @@
           <a:p>
             <a:fld id="{983674A7-A848-470E-B2D1-292255B67E22}" type="datetimeFigureOut">
               <a:rPr lang="zh-TW" altLang="en-US" smtClean="0"/>
-              <a:t>2024/7/5</a:t>
+              <a:t>2024/7/6</a:t>
             </a:fld>
             <a:endParaRPr lang="zh-TW" altLang="en-US"/>
           </a:p>
@@ -2073,7 +2074,7 @@
           <a:p>
             <a:fld id="{983674A7-A848-470E-B2D1-292255B67E22}" type="datetimeFigureOut">
               <a:rPr lang="zh-TW" altLang="en-US" smtClean="0"/>
-              <a:t>2024/7/5</a:t>
+              <a:t>2024/7/6</a:t>
             </a:fld>
             <a:endParaRPr lang="zh-TW" altLang="en-US"/>
           </a:p>
@@ -2384,7 +2385,7 @@
           <a:p>
             <a:fld id="{983674A7-A848-470E-B2D1-292255B67E22}" type="datetimeFigureOut">
               <a:rPr lang="zh-TW" altLang="en-US" smtClean="0"/>
-              <a:t>2024/7/5</a:t>
+              <a:t>2024/7/6</a:t>
             </a:fld>
             <a:endParaRPr lang="zh-TW" altLang="en-US"/>
           </a:p>
@@ -2672,7 +2673,7 @@
           <a:p>
             <a:fld id="{983674A7-A848-470E-B2D1-292255B67E22}" type="datetimeFigureOut">
               <a:rPr lang="zh-TW" altLang="en-US" smtClean="0"/>
-              <a:t>2024/7/5</a:t>
+              <a:t>2024/7/6</a:t>
             </a:fld>
             <a:endParaRPr lang="zh-TW" altLang="en-US"/>
           </a:p>
@@ -2913,7 +2914,7 @@
           <a:p>
             <a:fld id="{983674A7-A848-470E-B2D1-292255B67E22}" type="datetimeFigureOut">
               <a:rPr lang="zh-TW" altLang="en-US" smtClean="0"/>
-              <a:t>2024/7/5</a:t>
+              <a:t>2024/7/6</a:t>
             </a:fld>
             <a:endParaRPr lang="zh-TW" altLang="en-US"/>
           </a:p>
@@ -6819,6 +6820,332 @@
 </p:sld>
 </file>
 
+<file path=ppt/slides/slide6.xml><?xml version="1.0" encoding="utf-8"?>
+<p:sld xmlns:a="http://schemas.openxmlformats.org/drawingml/2006/main" xmlns:r="http://schemas.openxmlformats.org/officeDocument/2006/relationships" xmlns:p="http://schemas.openxmlformats.org/presentationml/2006/main">
+  <p:cSld>
+    <p:spTree>
+      <p:nvGrpSpPr>
+        <p:cNvPr id="1" name=""/>
+        <p:cNvGrpSpPr/>
+        <p:nvPr/>
+      </p:nvGrpSpPr>
+      <p:grpSpPr>
+        <a:xfrm>
+          <a:off x="0" y="0"/>
+          <a:ext cx="0" cy="0"/>
+          <a:chOff x="0" y="0"/>
+          <a:chExt cx="0" cy="0"/>
+        </a:xfrm>
+      </p:grpSpPr>
+      <p:pic>
+        <p:nvPicPr>
+          <p:cNvPr id="4" name="內容版面配置區 3">
+            <a:extLst>
+              <a:ext uri="{FF2B5EF4-FFF2-40B4-BE49-F238E27FC236}">
+                <a16:creationId xmlns:a16="http://schemas.microsoft.com/office/drawing/2014/main" id="{DCB057D8-B14B-4A4B-B0A1-32AB0E9182EE}"/>
+              </a:ext>
+            </a:extLst>
+          </p:cNvPr>
+          <p:cNvPicPr>
+            <a:picLocks noGrp="1" noChangeAspect="1"/>
+          </p:cNvPicPr>
+          <p:nvPr>
+            <p:ph idx="1"/>
+          </p:nvPr>
+        </p:nvPicPr>
+        <p:blipFill>
+          <a:blip r:embed="rId2" cstate="print">
+            <a:extLst>
+              <a:ext uri="{28A0092B-C50C-407E-A947-70E740481C1C}">
+                <a14:useLocalDpi xmlns:a14="http://schemas.microsoft.com/office/drawing/2010/main" val="0"/>
+              </a:ext>
+            </a:extLst>
+          </a:blip>
+          <a:stretch>
+            <a:fillRect/>
+          </a:stretch>
+        </p:blipFill>
+        <p:spPr>
+          <a:xfrm>
+            <a:off x="3756160" y="234819"/>
+            <a:ext cx="4467178" cy="5954893"/>
+          </a:xfrm>
+          <a:prstGeom prst="rect">
+            <a:avLst/>
+          </a:prstGeom>
+        </p:spPr>
+      </p:pic>
+      <p:cxnSp>
+        <p:nvCxnSpPr>
+          <p:cNvPr id="6" name="直線單箭頭接點 5">
+            <a:extLst>
+              <a:ext uri="{FF2B5EF4-FFF2-40B4-BE49-F238E27FC236}">
+                <a16:creationId xmlns:a16="http://schemas.microsoft.com/office/drawing/2014/main" id="{89B24DEE-3AD2-4C04-A1B4-5504909769F8}"/>
+              </a:ext>
+            </a:extLst>
+          </p:cNvPr>
+          <p:cNvCxnSpPr>
+            <a:cxnSpLocks/>
+          </p:cNvCxnSpPr>
+          <p:nvPr/>
+        </p:nvCxnSpPr>
+        <p:spPr>
+          <a:xfrm>
+            <a:off x="5989749" y="3429000"/>
+            <a:ext cx="89771" cy="648222"/>
+          </a:xfrm>
+          <a:prstGeom prst="straightConnector1">
+            <a:avLst/>
+          </a:prstGeom>
+          <a:ln w="28575">
+            <a:solidFill>
+              <a:srgbClr val="FF0000"/>
+            </a:solidFill>
+            <a:tailEnd type="triangle"/>
+          </a:ln>
+        </p:spPr>
+        <p:style>
+          <a:lnRef idx="1">
+            <a:schemeClr val="accent1"/>
+          </a:lnRef>
+          <a:fillRef idx="0">
+            <a:schemeClr val="accent1"/>
+          </a:fillRef>
+          <a:effectRef idx="0">
+            <a:schemeClr val="accent1"/>
+          </a:effectRef>
+          <a:fontRef idx="minor">
+            <a:schemeClr val="tx1"/>
+          </a:fontRef>
+        </p:style>
+      </p:cxnSp>
+      <p:sp>
+        <p:nvSpPr>
+          <p:cNvPr id="9" name="文字方塊 8">
+            <a:extLst>
+              <a:ext uri="{FF2B5EF4-FFF2-40B4-BE49-F238E27FC236}">
+                <a16:creationId xmlns:a16="http://schemas.microsoft.com/office/drawing/2014/main" id="{820558BD-8FA4-4A53-A7C4-3F794E2B9D67}"/>
+              </a:ext>
+            </a:extLst>
+          </p:cNvPr>
+          <p:cNvSpPr txBox="1"/>
+          <p:nvPr/>
+        </p:nvSpPr>
+        <p:spPr>
+          <a:xfrm>
+            <a:off x="5507277" y="3121223"/>
+            <a:ext cx="1177446" cy="307777"/>
+          </a:xfrm>
+          <a:prstGeom prst="rect">
+            <a:avLst/>
+          </a:prstGeom>
+          <a:noFill/>
+        </p:spPr>
+        <p:txBody>
+          <a:bodyPr wrap="square" rtlCol="0">
+            <a:spAutoFit/>
+          </a:bodyPr>
+          <a:lstStyle/>
+          <a:p>
+            <a:r>
+              <a:rPr lang="en-US" altLang="zh-TW" sz="1400" dirty="0">
+                <a:latin typeface="Times New Roman" panose="02020603050405020304" pitchFamily="18" charset="0"/>
+                <a:cs typeface="Times New Roman" panose="02020603050405020304" pitchFamily="18" charset="0"/>
+              </a:rPr>
+              <a:t>Loudspeaker</a:t>
+            </a:r>
+            <a:endParaRPr lang="zh-TW" altLang="en-US" sz="1400" dirty="0">
+              <a:latin typeface="Times New Roman" panose="02020603050405020304" pitchFamily="18" charset="0"/>
+              <a:cs typeface="Times New Roman" panose="02020603050405020304" pitchFamily="18" charset="0"/>
+            </a:endParaRPr>
+          </a:p>
+        </p:txBody>
+      </p:sp>
+      <p:cxnSp>
+        <p:nvCxnSpPr>
+          <p:cNvPr id="14" name="直線單箭頭接點 13">
+            <a:extLst>
+              <a:ext uri="{FF2B5EF4-FFF2-40B4-BE49-F238E27FC236}">
+                <a16:creationId xmlns:a16="http://schemas.microsoft.com/office/drawing/2014/main" id="{2D3D23D9-8DAA-4CD9-9BA3-D0D575D571AF}"/>
+              </a:ext>
+            </a:extLst>
+          </p:cNvPr>
+          <p:cNvCxnSpPr>
+            <a:cxnSpLocks/>
+          </p:cNvCxnSpPr>
+          <p:nvPr/>
+        </p:nvCxnSpPr>
+        <p:spPr>
+          <a:xfrm flipH="1">
+            <a:off x="6242579" y="4060888"/>
+            <a:ext cx="753207" cy="305958"/>
+          </a:xfrm>
+          <a:prstGeom prst="straightConnector1">
+            <a:avLst/>
+          </a:prstGeom>
+          <a:ln w="28575">
+            <a:solidFill>
+              <a:srgbClr val="FF0000"/>
+            </a:solidFill>
+            <a:tailEnd type="triangle"/>
+          </a:ln>
+        </p:spPr>
+        <p:style>
+          <a:lnRef idx="1">
+            <a:schemeClr val="accent1"/>
+          </a:lnRef>
+          <a:fillRef idx="0">
+            <a:schemeClr val="accent1"/>
+          </a:fillRef>
+          <a:effectRef idx="0">
+            <a:schemeClr val="accent1"/>
+          </a:effectRef>
+          <a:fontRef idx="minor">
+            <a:schemeClr val="tx1"/>
+          </a:fontRef>
+        </p:style>
+      </p:cxnSp>
+      <p:sp>
+        <p:nvSpPr>
+          <p:cNvPr id="15" name="文字方塊 14">
+            <a:extLst>
+              <a:ext uri="{FF2B5EF4-FFF2-40B4-BE49-F238E27FC236}">
+                <a16:creationId xmlns:a16="http://schemas.microsoft.com/office/drawing/2014/main" id="{01221ABD-38B1-48E8-9F4B-29C7F97ABBFD}"/>
+              </a:ext>
+            </a:extLst>
+          </p:cNvPr>
+          <p:cNvSpPr txBox="1"/>
+          <p:nvPr/>
+        </p:nvSpPr>
+        <p:spPr>
+          <a:xfrm>
+            <a:off x="6767849" y="3753111"/>
+            <a:ext cx="1312704" cy="307777"/>
+          </a:xfrm>
+          <a:prstGeom prst="rect">
+            <a:avLst/>
+          </a:prstGeom>
+          <a:noFill/>
+        </p:spPr>
+        <p:txBody>
+          <a:bodyPr wrap="square" rtlCol="0">
+            <a:spAutoFit/>
+          </a:bodyPr>
+          <a:lstStyle/>
+          <a:p>
+            <a:r>
+              <a:rPr lang="en-US" altLang="zh-TW" sz="1400" dirty="0">
+                <a:latin typeface="Times New Roman" panose="02020603050405020304" pitchFamily="18" charset="0"/>
+                <a:cs typeface="Times New Roman" panose="02020603050405020304" pitchFamily="18" charset="0"/>
+              </a:rPr>
+              <a:t>Reference mic</a:t>
+            </a:r>
+            <a:endParaRPr lang="zh-TW" altLang="en-US" sz="1400" dirty="0">
+              <a:latin typeface="Times New Roman" panose="02020603050405020304" pitchFamily="18" charset="0"/>
+              <a:cs typeface="Times New Roman" panose="02020603050405020304" pitchFamily="18" charset="0"/>
+            </a:endParaRPr>
+          </a:p>
+        </p:txBody>
+      </p:sp>
+      <p:cxnSp>
+        <p:nvCxnSpPr>
+          <p:cNvPr id="20" name="直線單箭頭接點 19">
+            <a:extLst>
+              <a:ext uri="{FF2B5EF4-FFF2-40B4-BE49-F238E27FC236}">
+                <a16:creationId xmlns:a16="http://schemas.microsoft.com/office/drawing/2014/main" id="{3D648531-BE46-431E-B11C-30CE6C5C67C6}"/>
+              </a:ext>
+            </a:extLst>
+          </p:cNvPr>
+          <p:cNvCxnSpPr>
+            <a:cxnSpLocks/>
+          </p:cNvCxnSpPr>
+          <p:nvPr/>
+        </p:nvCxnSpPr>
+        <p:spPr>
+          <a:xfrm>
+            <a:off x="3501025" y="4760856"/>
+            <a:ext cx="851770" cy="531391"/>
+          </a:xfrm>
+          <a:prstGeom prst="straightConnector1">
+            <a:avLst/>
+          </a:prstGeom>
+          <a:ln w="28575">
+            <a:solidFill>
+              <a:srgbClr val="FF0000"/>
+            </a:solidFill>
+            <a:tailEnd type="triangle"/>
+          </a:ln>
+        </p:spPr>
+        <p:style>
+          <a:lnRef idx="1">
+            <a:schemeClr val="accent1"/>
+          </a:lnRef>
+          <a:fillRef idx="0">
+            <a:schemeClr val="accent1"/>
+          </a:fillRef>
+          <a:effectRef idx="0">
+            <a:schemeClr val="accent1"/>
+          </a:effectRef>
+          <a:fontRef idx="minor">
+            <a:schemeClr val="tx1"/>
+          </a:fontRef>
+        </p:style>
+      </p:cxnSp>
+      <p:sp>
+        <p:nvSpPr>
+          <p:cNvPr id="21" name="文字方塊 20">
+            <a:extLst>
+              <a:ext uri="{FF2B5EF4-FFF2-40B4-BE49-F238E27FC236}">
+                <a16:creationId xmlns:a16="http://schemas.microsoft.com/office/drawing/2014/main" id="{7EE3232D-7C73-4ECD-9304-31B34839E313}"/>
+              </a:ext>
+            </a:extLst>
+          </p:cNvPr>
+          <p:cNvSpPr txBox="1"/>
+          <p:nvPr/>
+        </p:nvSpPr>
+        <p:spPr>
+          <a:xfrm>
+            <a:off x="2780010" y="4453079"/>
+            <a:ext cx="976150" cy="307777"/>
+          </a:xfrm>
+          <a:prstGeom prst="rect">
+            <a:avLst/>
+          </a:prstGeom>
+          <a:noFill/>
+        </p:spPr>
+        <p:txBody>
+          <a:bodyPr wrap="square" rtlCol="0">
+            <a:spAutoFit/>
+          </a:bodyPr>
+          <a:lstStyle/>
+          <a:p>
+            <a:r>
+              <a:rPr lang="en-US" altLang="zh-TW" sz="1400" dirty="0">
+                <a:latin typeface="Times New Roman" panose="02020603050405020304" pitchFamily="18" charset="0"/>
+                <a:cs typeface="Times New Roman" panose="02020603050405020304" pitchFamily="18" charset="0"/>
+              </a:rPr>
+              <a:t>ULA start</a:t>
+            </a:r>
+            <a:endParaRPr lang="zh-TW" altLang="en-US" sz="1400" dirty="0">
+              <a:latin typeface="Times New Roman" panose="02020603050405020304" pitchFamily="18" charset="0"/>
+              <a:cs typeface="Times New Roman" panose="02020603050405020304" pitchFamily="18" charset="0"/>
+            </a:endParaRPr>
+          </a:p>
+        </p:txBody>
+      </p:sp>
+    </p:spTree>
+    <p:extLst>
+      <p:ext uri="{BB962C8B-B14F-4D97-AF65-F5344CB8AC3E}">
+        <p14:creationId xmlns:p14="http://schemas.microsoft.com/office/powerpoint/2010/main" val="2767159212"/>
+      </p:ext>
+    </p:extLst>
+  </p:cSld>
+  <p:clrMapOvr>
+    <a:masterClrMapping/>
+  </p:clrMapOvr>
+</p:sld>
+</file>
+
 <file path=ppt/theme/theme1.xml><?xml version="1.0" encoding="utf-8"?>
 <a:theme xmlns:a="http://schemas.openxmlformats.org/drawingml/2006/main" name="Office 佈景主題">
   <a:themeElements>
